--- a/Agilequestion.pptx
+++ b/Agilequestion.pptx
@@ -8,7 +8,6 @@
     <p:sldId id="256" r:id="rId2"/>
     <p:sldId id="257" r:id="rId3"/>
     <p:sldId id="258" r:id="rId4"/>
-    <p:sldId id="259" r:id="rId5"/>
   </p:sldIdLst>
   <p:sldSz cx="12192000" cy="6858000"/>
   <p:notesSz cx="6858000" cy="9144000"/>
@@ -109,7 +108,7 @@
   </p:defaultTextStyle>
   <p:extLst>
     <p:ext uri="{EFAFB233-063F-42B5-8137-9DF3F51BA10A}">
-      <p15:sldGuideLst xmlns:p15="http://schemas.microsoft.com/office/powerpoint/2012/main"/>
+      <p15:sldGuideLst xmlns:p15="http://schemas.microsoft.com/office/powerpoint/2012/main" xmlns=""/>
     </p:ext>
   </p:extLst>
 </p:presentation>
@@ -246,6 +245,7 @@
           <a:p>
             <a:fld id="{AFFA3820-900F-4324-A386-F59ABEFDB1E4}" type="datetimeFigureOut">
               <a:rPr lang="en-GB" smtClean="0"/>
+              <a:pPr/>
               <a:t>01/11/2016</a:t>
             </a:fld>
             <a:endParaRPr lang="en-GB"/>
@@ -288,6 +288,7 @@
           <a:p>
             <a:fld id="{05AC1A88-66CC-42AF-8FC4-BC27B9094F34}" type="slidenum">
               <a:rPr lang="en-GB" smtClean="0"/>
+              <a:pPr/>
               <a:t>‹#›</a:t>
             </a:fld>
             <a:endParaRPr lang="en-GB"/>
@@ -297,7 +298,7 @@
     </p:spTree>
     <p:extLst>
       <p:ext uri="{BB962C8B-B14F-4D97-AF65-F5344CB8AC3E}">
-        <p14:creationId xmlns:p14="http://schemas.microsoft.com/office/powerpoint/2010/main" val="1731070781"/>
+        <p14:creationId xmlns:p14="http://schemas.microsoft.com/office/powerpoint/2010/main" xmlns="" val="1731070781"/>
       </p:ext>
     </p:extLst>
   </p:cSld>
@@ -416,6 +417,7 @@
           <a:p>
             <a:fld id="{AFFA3820-900F-4324-A386-F59ABEFDB1E4}" type="datetimeFigureOut">
               <a:rPr lang="en-GB" smtClean="0"/>
+              <a:pPr/>
               <a:t>01/11/2016</a:t>
             </a:fld>
             <a:endParaRPr lang="en-GB"/>
@@ -458,6 +460,7 @@
           <a:p>
             <a:fld id="{05AC1A88-66CC-42AF-8FC4-BC27B9094F34}" type="slidenum">
               <a:rPr lang="en-GB" smtClean="0"/>
+              <a:pPr/>
               <a:t>‹#›</a:t>
             </a:fld>
             <a:endParaRPr lang="en-GB"/>
@@ -467,7 +470,7 @@
     </p:spTree>
     <p:extLst>
       <p:ext uri="{BB962C8B-B14F-4D97-AF65-F5344CB8AC3E}">
-        <p14:creationId xmlns:p14="http://schemas.microsoft.com/office/powerpoint/2010/main" val="1582928432"/>
+        <p14:creationId xmlns:p14="http://schemas.microsoft.com/office/powerpoint/2010/main" xmlns="" val="1582928432"/>
       </p:ext>
     </p:extLst>
   </p:cSld>
@@ -596,6 +599,7 @@
           <a:p>
             <a:fld id="{AFFA3820-900F-4324-A386-F59ABEFDB1E4}" type="datetimeFigureOut">
               <a:rPr lang="en-GB" smtClean="0"/>
+              <a:pPr/>
               <a:t>01/11/2016</a:t>
             </a:fld>
             <a:endParaRPr lang="en-GB"/>
@@ -638,6 +642,7 @@
           <a:p>
             <a:fld id="{05AC1A88-66CC-42AF-8FC4-BC27B9094F34}" type="slidenum">
               <a:rPr lang="en-GB" smtClean="0"/>
+              <a:pPr/>
               <a:t>‹#›</a:t>
             </a:fld>
             <a:endParaRPr lang="en-GB"/>
@@ -647,7 +652,7 @@
     </p:spTree>
     <p:extLst>
       <p:ext uri="{BB962C8B-B14F-4D97-AF65-F5344CB8AC3E}">
-        <p14:creationId xmlns:p14="http://schemas.microsoft.com/office/powerpoint/2010/main" val="507624719"/>
+        <p14:creationId xmlns:p14="http://schemas.microsoft.com/office/powerpoint/2010/main" xmlns="" val="507624719"/>
       </p:ext>
     </p:extLst>
   </p:cSld>
@@ -766,6 +771,7 @@
           <a:p>
             <a:fld id="{AFFA3820-900F-4324-A386-F59ABEFDB1E4}" type="datetimeFigureOut">
               <a:rPr lang="en-GB" smtClean="0"/>
+              <a:pPr/>
               <a:t>01/11/2016</a:t>
             </a:fld>
             <a:endParaRPr lang="en-GB"/>
@@ -808,6 +814,7 @@
           <a:p>
             <a:fld id="{05AC1A88-66CC-42AF-8FC4-BC27B9094F34}" type="slidenum">
               <a:rPr lang="en-GB" smtClean="0"/>
+              <a:pPr/>
               <a:t>‹#›</a:t>
             </a:fld>
             <a:endParaRPr lang="en-GB"/>
@@ -817,7 +824,7 @@
     </p:spTree>
     <p:extLst>
       <p:ext uri="{BB962C8B-B14F-4D97-AF65-F5344CB8AC3E}">
-        <p14:creationId xmlns:p14="http://schemas.microsoft.com/office/powerpoint/2010/main" val="1154437453"/>
+        <p14:creationId xmlns:p14="http://schemas.microsoft.com/office/powerpoint/2010/main" xmlns="" val="1154437453"/>
       </p:ext>
     </p:extLst>
   </p:cSld>
@@ -1012,6 +1019,7 @@
           <a:p>
             <a:fld id="{AFFA3820-900F-4324-A386-F59ABEFDB1E4}" type="datetimeFigureOut">
               <a:rPr lang="en-GB" smtClean="0"/>
+              <a:pPr/>
               <a:t>01/11/2016</a:t>
             </a:fld>
             <a:endParaRPr lang="en-GB"/>
@@ -1054,6 +1062,7 @@
           <a:p>
             <a:fld id="{05AC1A88-66CC-42AF-8FC4-BC27B9094F34}" type="slidenum">
               <a:rPr lang="en-GB" smtClean="0"/>
+              <a:pPr/>
               <a:t>‹#›</a:t>
             </a:fld>
             <a:endParaRPr lang="en-GB"/>
@@ -1063,7 +1072,7 @@
     </p:spTree>
     <p:extLst>
       <p:ext uri="{BB962C8B-B14F-4D97-AF65-F5344CB8AC3E}">
-        <p14:creationId xmlns:p14="http://schemas.microsoft.com/office/powerpoint/2010/main" val="3730852277"/>
+        <p14:creationId xmlns:p14="http://schemas.microsoft.com/office/powerpoint/2010/main" xmlns="" val="3730852277"/>
       </p:ext>
     </p:extLst>
   </p:cSld>
@@ -1244,6 +1253,7 @@
           <a:p>
             <a:fld id="{AFFA3820-900F-4324-A386-F59ABEFDB1E4}" type="datetimeFigureOut">
               <a:rPr lang="en-GB" smtClean="0"/>
+              <a:pPr/>
               <a:t>01/11/2016</a:t>
             </a:fld>
             <a:endParaRPr lang="en-GB"/>
@@ -1286,6 +1296,7 @@
           <a:p>
             <a:fld id="{05AC1A88-66CC-42AF-8FC4-BC27B9094F34}" type="slidenum">
               <a:rPr lang="en-GB" smtClean="0"/>
+              <a:pPr/>
               <a:t>‹#›</a:t>
             </a:fld>
             <a:endParaRPr lang="en-GB"/>
@@ -1295,7 +1306,7 @@
     </p:spTree>
     <p:extLst>
       <p:ext uri="{BB962C8B-B14F-4D97-AF65-F5344CB8AC3E}">
-        <p14:creationId xmlns:p14="http://schemas.microsoft.com/office/powerpoint/2010/main" val="188269967"/>
+        <p14:creationId xmlns:p14="http://schemas.microsoft.com/office/powerpoint/2010/main" xmlns="" val="188269967"/>
       </p:ext>
     </p:extLst>
   </p:cSld>
@@ -1611,6 +1622,7 @@
           <a:p>
             <a:fld id="{AFFA3820-900F-4324-A386-F59ABEFDB1E4}" type="datetimeFigureOut">
               <a:rPr lang="en-GB" smtClean="0"/>
+              <a:pPr/>
               <a:t>01/11/2016</a:t>
             </a:fld>
             <a:endParaRPr lang="en-GB"/>
@@ -1653,6 +1665,7 @@
           <a:p>
             <a:fld id="{05AC1A88-66CC-42AF-8FC4-BC27B9094F34}" type="slidenum">
               <a:rPr lang="en-GB" smtClean="0"/>
+              <a:pPr/>
               <a:t>‹#›</a:t>
             </a:fld>
             <a:endParaRPr lang="en-GB"/>
@@ -1662,7 +1675,7 @@
     </p:spTree>
     <p:extLst>
       <p:ext uri="{BB962C8B-B14F-4D97-AF65-F5344CB8AC3E}">
-        <p14:creationId xmlns:p14="http://schemas.microsoft.com/office/powerpoint/2010/main" val="2607393332"/>
+        <p14:creationId xmlns:p14="http://schemas.microsoft.com/office/powerpoint/2010/main" xmlns="" val="2607393332"/>
       </p:ext>
     </p:extLst>
   </p:cSld>
@@ -1729,6 +1742,7 @@
           <a:p>
             <a:fld id="{AFFA3820-900F-4324-A386-F59ABEFDB1E4}" type="datetimeFigureOut">
               <a:rPr lang="en-GB" smtClean="0"/>
+              <a:pPr/>
               <a:t>01/11/2016</a:t>
             </a:fld>
             <a:endParaRPr lang="en-GB"/>
@@ -1771,6 +1785,7 @@
           <a:p>
             <a:fld id="{05AC1A88-66CC-42AF-8FC4-BC27B9094F34}" type="slidenum">
               <a:rPr lang="en-GB" smtClean="0"/>
+              <a:pPr/>
               <a:t>‹#›</a:t>
             </a:fld>
             <a:endParaRPr lang="en-GB"/>
@@ -1780,7 +1795,7 @@
     </p:spTree>
     <p:extLst>
       <p:ext uri="{BB962C8B-B14F-4D97-AF65-F5344CB8AC3E}">
-        <p14:creationId xmlns:p14="http://schemas.microsoft.com/office/powerpoint/2010/main" val="806778956"/>
+        <p14:creationId xmlns:p14="http://schemas.microsoft.com/office/powerpoint/2010/main" xmlns="" val="806778956"/>
       </p:ext>
     </p:extLst>
   </p:cSld>
@@ -1824,6 +1839,7 @@
           <a:p>
             <a:fld id="{AFFA3820-900F-4324-A386-F59ABEFDB1E4}" type="datetimeFigureOut">
               <a:rPr lang="en-GB" smtClean="0"/>
+              <a:pPr/>
               <a:t>01/11/2016</a:t>
             </a:fld>
             <a:endParaRPr lang="en-GB"/>
@@ -1866,6 +1882,7 @@
           <a:p>
             <a:fld id="{05AC1A88-66CC-42AF-8FC4-BC27B9094F34}" type="slidenum">
               <a:rPr lang="en-GB" smtClean="0"/>
+              <a:pPr/>
               <a:t>‹#›</a:t>
             </a:fld>
             <a:endParaRPr lang="en-GB"/>
@@ -1875,7 +1892,7 @@
     </p:spTree>
     <p:extLst>
       <p:ext uri="{BB962C8B-B14F-4D97-AF65-F5344CB8AC3E}">
-        <p14:creationId xmlns:p14="http://schemas.microsoft.com/office/powerpoint/2010/main" val="3649515"/>
+        <p14:creationId xmlns:p14="http://schemas.microsoft.com/office/powerpoint/2010/main" xmlns="" val="3649515"/>
       </p:ext>
     </p:extLst>
   </p:cSld>
@@ -2101,6 +2118,7 @@
           <a:p>
             <a:fld id="{AFFA3820-900F-4324-A386-F59ABEFDB1E4}" type="datetimeFigureOut">
               <a:rPr lang="en-GB" smtClean="0"/>
+              <a:pPr/>
               <a:t>01/11/2016</a:t>
             </a:fld>
             <a:endParaRPr lang="en-GB"/>
@@ -2143,6 +2161,7 @@
           <a:p>
             <a:fld id="{05AC1A88-66CC-42AF-8FC4-BC27B9094F34}" type="slidenum">
               <a:rPr lang="en-GB" smtClean="0"/>
+              <a:pPr/>
               <a:t>‹#›</a:t>
             </a:fld>
             <a:endParaRPr lang="en-GB"/>
@@ -2152,7 +2171,7 @@
     </p:spTree>
     <p:extLst>
       <p:ext uri="{BB962C8B-B14F-4D97-AF65-F5344CB8AC3E}">
-        <p14:creationId xmlns:p14="http://schemas.microsoft.com/office/powerpoint/2010/main" val="1119495317"/>
+        <p14:creationId xmlns:p14="http://schemas.microsoft.com/office/powerpoint/2010/main" xmlns="" val="1119495317"/>
       </p:ext>
     </p:extLst>
   </p:cSld>
@@ -2354,6 +2373,7 @@
           <a:p>
             <a:fld id="{AFFA3820-900F-4324-A386-F59ABEFDB1E4}" type="datetimeFigureOut">
               <a:rPr lang="en-GB" smtClean="0"/>
+              <a:pPr/>
               <a:t>01/11/2016</a:t>
             </a:fld>
             <a:endParaRPr lang="en-GB"/>
@@ -2396,6 +2416,7 @@
           <a:p>
             <a:fld id="{05AC1A88-66CC-42AF-8FC4-BC27B9094F34}" type="slidenum">
               <a:rPr lang="en-GB" smtClean="0"/>
+              <a:pPr/>
               <a:t>‹#›</a:t>
             </a:fld>
             <a:endParaRPr lang="en-GB"/>
@@ -2405,7 +2426,7 @@
     </p:spTree>
     <p:extLst>
       <p:ext uri="{BB962C8B-B14F-4D97-AF65-F5344CB8AC3E}">
-        <p14:creationId xmlns:p14="http://schemas.microsoft.com/office/powerpoint/2010/main" val="2796832853"/>
+        <p14:creationId xmlns:p14="http://schemas.microsoft.com/office/powerpoint/2010/main" xmlns="" val="2796832853"/>
       </p:ext>
     </p:extLst>
   </p:cSld>
@@ -2567,6 +2588,7 @@
           <a:p>
             <a:fld id="{AFFA3820-900F-4324-A386-F59ABEFDB1E4}" type="datetimeFigureOut">
               <a:rPr lang="en-GB" smtClean="0"/>
+              <a:pPr/>
               <a:t>01/11/2016</a:t>
             </a:fld>
             <a:endParaRPr lang="en-GB"/>
@@ -2645,6 +2667,7 @@
           <a:p>
             <a:fld id="{05AC1A88-66CC-42AF-8FC4-BC27B9094F34}" type="slidenum">
               <a:rPr lang="en-GB" smtClean="0"/>
+              <a:pPr/>
               <a:t>‹#›</a:t>
             </a:fld>
             <a:endParaRPr lang="en-GB"/>
@@ -2654,7 +2677,7 @@
     </p:spTree>
     <p:extLst>
       <p:ext uri="{BB962C8B-B14F-4D97-AF65-F5344CB8AC3E}">
-        <p14:creationId xmlns:p14="http://schemas.microsoft.com/office/powerpoint/2010/main" val="892285391"/>
+        <p14:creationId xmlns:p14="http://schemas.microsoft.com/office/powerpoint/2010/main" xmlns="" val="892285391"/>
       </p:ext>
     </p:extLst>
   </p:cSld>
@@ -2984,8 +3007,8 @@
         </p:nvSpPr>
         <p:spPr>
           <a:xfrm>
-            <a:off x="1459832" y="3143669"/>
-            <a:ext cx="9144000" cy="2387600"/>
+            <a:off x="1468458" y="3131389"/>
+            <a:ext cx="9144000" cy="2932982"/>
           </a:xfrm>
         </p:spPr>
         <p:txBody>
@@ -2995,16 +3018,54 @@
           <a:lstStyle/>
           <a:p>
             <a:r>
-              <a:rPr lang="en-GB" sz="4400" dirty="0" smtClean="0"/>
+              <a:rPr lang="en-GB" sz="4400" b="1" dirty="0" smtClean="0"/>
               <a:t>Can </a:t>
             </a:r>
             <a:r>
-              <a:rPr lang="en-GB" sz="4400" dirty="0"/>
-              <a:t>the way that user stories are prioritised I.E. "MoSCoW method" and thus distributed have an impact on the length of the development cycle of a project in the video games industry</a:t>
-            </a:r>
-            <a:r>
-              <a:rPr lang="en-GB" sz="4400" dirty="0" smtClean="0"/>
+              <a:rPr lang="en-GB" sz="4400" b="1" dirty="0"/>
+              <a:t>the way that user stories are </a:t>
+            </a:r>
+            <a:r>
+              <a:rPr lang="en-GB" sz="4400" b="1" dirty="0" smtClean="0"/>
+              <a:t>prioritised and allocated </a:t>
+            </a:r>
+            <a:r>
+              <a:rPr lang="en-GB" sz="4400" b="1" dirty="0"/>
+              <a:t>I.E. "MoSCoW method" </a:t>
+            </a:r>
+            <a:r>
+              <a:rPr lang="en-GB" sz="4400" b="1" dirty="0" smtClean="0"/>
+              <a:t>have </a:t>
+            </a:r>
+            <a:r>
+              <a:rPr lang="en-GB" sz="4400" b="1" dirty="0"/>
+              <a:t>an impact on the </a:t>
+            </a:r>
+            <a:r>
+              <a:rPr lang="en-GB" sz="4400" b="1" dirty="0" smtClean="0"/>
+              <a:t>length of a sprint in </a:t>
+            </a:r>
+            <a:r>
+              <a:rPr lang="en-GB" sz="4400" b="1" dirty="0"/>
+              <a:t>the video games industry</a:t>
+            </a:r>
+            <a:r>
+              <a:rPr lang="en-GB" sz="4400" b="1" dirty="0" smtClean="0"/>
               <a:t>?</a:t>
+            </a:r>
+            <a:br>
+              <a:rPr lang="en-GB" sz="4400" b="1" dirty="0" smtClean="0"/>
+            </a:br>
+            <a:r>
+              <a:rPr lang="en-GB" sz="4400" b="1" dirty="0" smtClean="0"/>
+              <a:t/>
+            </a:r>
+            <a:br>
+              <a:rPr lang="en-GB" sz="4400" b="1" dirty="0" smtClean="0"/>
+            </a:br>
+            <a:r>
+              <a:rPr lang="en-GB" sz="2800" dirty="0" smtClean="0"/>
+              <a:t>As User Stories are the way that jobs are presented to the developers on a project, I feel that they are an integral part of Agile Development practice</a:t>
             </a:r>
             <a:r>
               <a:rPr lang="en-GB" dirty="0"/>
@@ -3020,7 +3081,7 @@
     </p:spTree>
     <p:extLst>
       <p:ext uri="{BB962C8B-B14F-4D97-AF65-F5344CB8AC3E}">
-        <p14:creationId xmlns:p14="http://schemas.microsoft.com/office/powerpoint/2010/main" val="3229191298"/>
+        <p14:creationId xmlns:p14="http://schemas.microsoft.com/office/powerpoint/2010/main" xmlns="" val="3229191298"/>
       </p:ext>
     </p:extLst>
   </p:cSld>
@@ -3062,9 +3123,18 @@
           <a:bodyPr/>
           <a:lstStyle/>
           <a:p>
+            <a:pPr algn="ctr"/>
+            <a:r>
+              <a:rPr lang="en-GB" b="1" dirty="0" smtClean="0"/>
+              <a:t>Key R</a:t>
+            </a:r>
+            <a:r>
+              <a:rPr lang="en-GB" b="1" dirty="0" smtClean="0"/>
+              <a:t>esearch Findings</a:t>
+            </a:r>
             <a:r>
               <a:rPr lang="en-GB" dirty="0"/>
-              <a:t>Test cycles	</a:t>
+              <a:t>	</a:t>
             </a:r>
           </a:p>
         </p:txBody>
@@ -3079,68 +3149,97 @@
             <p:ph idx="1"/>
           </p:nvPr>
         </p:nvSpPr>
-        <p:spPr/>
+        <p:spPr>
+          <a:xfrm>
+            <a:off x="588034" y="1816999"/>
+            <a:ext cx="10893725" cy="4351338"/>
+          </a:xfrm>
+        </p:spPr>
         <p:txBody>
           <a:bodyPr>
-            <a:normAutofit fontScale="92500" lnSpcReduction="10000"/>
+            <a:normAutofit lnSpcReduction="10000"/>
           </a:bodyPr>
           <a:lstStyle/>
           <a:p>
-            <a:r>
-              <a:rPr lang="en-GB" dirty="0"/>
-              <a:t>Everyday a company aims for at least one or more </a:t>
-            </a:r>
-          </a:p>
-          <a:p>
-            <a:r>
-              <a:rPr lang="en-GB" dirty="0"/>
-              <a:t>Design-Code-Test </a:t>
-            </a:r>
-          </a:p>
-          <a:p>
-            <a:r>
-              <a:rPr lang="en-GB" dirty="0">
-                <a:hlinkClick r:id="rId2"/>
-              </a:rPr>
-              <a:t>http://ieeexplore.ieee.org.ezproxy.falmouth.ac.uk/document/1201204/</a:t>
+            <a:pPr algn="ctr">
+              <a:buNone/>
+            </a:pPr>
+            <a:r>
+              <a:rPr lang="en-GB" b="1" dirty="0" smtClean="0"/>
+              <a:t>4 Different types </a:t>
+            </a:r>
+            <a:r>
+              <a:rPr lang="en-GB" b="1" dirty="0" smtClean="0"/>
+              <a:t>of Prioritisation </a:t>
+            </a:r>
+            <a:r>
+              <a:rPr lang="en-GB" b="1" dirty="0" smtClean="0"/>
+              <a:t>Methods used in Agile Development</a:t>
+            </a:r>
+          </a:p>
+          <a:p>
+            <a:pPr algn="ctr">
+              <a:buNone/>
+            </a:pPr>
+            <a:r>
+              <a:rPr lang="en-GB" dirty="0" smtClean="0"/>
+              <a:t>Validated Learning, Walking Skeleton, MoSCoW, Business Value Based</a:t>
+            </a:r>
+          </a:p>
+          <a:p>
+            <a:pPr algn="ctr">
+              <a:buNone/>
+            </a:pPr>
+            <a:r>
+              <a:rPr lang="en-GB" b="1" dirty="0" smtClean="0"/>
+              <a:t>12 Factors to take into account when creating effective User Stories</a:t>
+            </a:r>
+          </a:p>
+          <a:p>
+            <a:pPr algn="ctr">
+              <a:buNone/>
+            </a:pPr>
+            <a:r>
+              <a:rPr lang="en-GB" dirty="0" smtClean="0"/>
+              <a:t>Complexity, Required Technical Ability, Timely Delivery</a:t>
+            </a:r>
+          </a:p>
+          <a:p>
+            <a:pPr algn="ctr">
+              <a:buNone/>
+            </a:pPr>
+            <a:r>
+              <a:rPr lang="en-GB" b="1" dirty="0" smtClean="0"/>
+              <a:t>User Story development practices currently found in the video game industry are considered very outdated</a:t>
+            </a:r>
+          </a:p>
+          <a:p>
+            <a:pPr algn="ctr">
+              <a:buNone/>
+            </a:pPr>
+            <a:r>
+              <a:rPr lang="en-GB" dirty="0" smtClean="0"/>
+              <a:t>Still employ methodologies built for a team of 10 people</a:t>
+            </a:r>
+          </a:p>
+          <a:p>
+            <a:pPr algn="ctr">
+              <a:buNone/>
+            </a:pPr>
+            <a:r>
+              <a:rPr lang="en-GB" b="1" dirty="0" smtClean="0"/>
+              <a:t>There are many existing User Story Quality Frameworks</a:t>
+            </a:r>
+          </a:p>
+          <a:p>
+            <a:pPr algn="ctr">
+              <a:buNone/>
+            </a:pPr>
+            <a:r>
+              <a:rPr lang="en-GB" dirty="0" smtClean="0"/>
+              <a:t>Although they are hardly employed in actual development practice</a:t>
             </a:r>
             <a:endParaRPr lang="en-GB" dirty="0"/>
-          </a:p>
-          <a:p>
-            <a:r>
-              <a:rPr lang="en-GB" b="1" dirty="0"/>
-              <a:t>New directions on agile methods: a comparative analysis</a:t>
-            </a:r>
-          </a:p>
-          <a:p>
-            <a:r>
-              <a:rPr lang="en-GB" dirty="0">
-                <a:hlinkClick r:id="rId3"/>
-              </a:rPr>
-              <a:t>http://www.danube.com/docs/Intro_to_Agile.pdf</a:t>
-            </a:r>
-            <a:endParaRPr lang="en-GB" dirty="0"/>
-          </a:p>
-          <a:p>
-            <a:r>
-              <a:rPr lang="en-GB" dirty="0"/>
-              <a:t>Intro to agile explains about test cycles more in depth.</a:t>
-            </a:r>
-          </a:p>
-          <a:p>
-            <a:r>
-              <a:rPr lang="en-GB" u="sng" dirty="0">
-                <a:hlinkClick r:id="rId4"/>
-              </a:rPr>
-              <a:t>https://books.google.co.uk/books?hl=en&amp;lr=&amp;id=i39yimbrzh4C&amp;oi=fnd&amp;pg=PT15&amp;dq=agile+game+development+loops&amp;ots=Y6Y1a3W38Z&amp;sig=dWxJyDC6lhkYv1Ufuh0zU6dFidU#v=onepage&amp;q&amp;f=false</a:t>
-            </a:r>
-            <a:endParaRPr lang="en-GB" dirty="0"/>
-          </a:p>
-          <a:p>
-            <a:r>
-              <a:rPr lang="en-GB" dirty="0"/>
-              <a:t>Has a section on process of cycles but don’t currently have access to.</a:t>
-            </a:r>
           </a:p>
           <a:p>
             <a:endParaRPr lang="en-GB" dirty="0"/>
@@ -3150,7 +3249,7 @@
     </p:spTree>
     <p:extLst>
       <p:ext uri="{BB962C8B-B14F-4D97-AF65-F5344CB8AC3E}">
-        <p14:creationId xmlns:p14="http://schemas.microsoft.com/office/powerpoint/2010/main" val="3977857130"/>
+        <p14:creationId xmlns:p14="http://schemas.microsoft.com/office/powerpoint/2010/main" xmlns="" val="3977857130"/>
       </p:ext>
     </p:extLst>
   </p:cSld>
@@ -3179,28 +3278,6 @@
       </p:grpSpPr>
       <p:sp>
         <p:nvSpPr>
-          <p:cNvPr id="2" name="Title 1"/>
-          <p:cNvSpPr>
-            <a:spLocks noGrp="1"/>
-          </p:cNvSpPr>
-          <p:nvPr>
-            <p:ph type="title"/>
-          </p:nvPr>
-        </p:nvSpPr>
-        <p:spPr/>
-        <p:txBody>
-          <a:bodyPr/>
-          <a:lstStyle/>
-          <a:p>
-            <a:r>
-              <a:rPr lang="en-GB" dirty="0"/>
-              <a:t>Effects </a:t>
-            </a:r>
-          </a:p>
-        </p:txBody>
-      </p:sp>
-      <p:sp>
-        <p:nvSpPr>
           <p:cNvPr id="3" name="Content Placeholder 2"/>
           <p:cNvSpPr>
             <a:spLocks noGrp="1"/>
@@ -3209,144 +3286,125 @@
             <p:ph idx="1"/>
           </p:nvPr>
         </p:nvSpPr>
-        <p:spPr/>
-        <p:txBody>
-          <a:bodyPr/>
-          <a:lstStyle/>
-          <a:p>
-            <a:r>
-              <a:rPr lang="en-GB" dirty="0"/>
-              <a:t>By having more than one are you forcing this?</a:t>
-            </a:r>
-          </a:p>
-          <a:p>
-            <a:r>
-              <a:rPr lang="en-GB" dirty="0"/>
-              <a:t>Will it make parts of the team cut corners and lower quality because they are aiming for so many test cycles?</a:t>
-            </a:r>
-          </a:p>
-          <a:p>
-            <a:r>
-              <a:rPr lang="en-GB" dirty="0"/>
-              <a:t>Is this beneficial to a team as different areas in game development can take more time than others?</a:t>
-            </a:r>
-          </a:p>
-          <a:p>
-            <a:r>
-              <a:rPr lang="en-GB" dirty="0"/>
-              <a:t>Is running more than one cycle beneficial to spot errors more quickly or does it hinder the teams progress?</a:t>
-            </a:r>
-          </a:p>
+        <p:spPr>
+          <a:xfrm>
+            <a:off x="838200" y="1644470"/>
+            <a:ext cx="10515600" cy="4351338"/>
+          </a:xfrm>
+        </p:spPr>
+        <p:txBody>
+          <a:bodyPr/>
+          <a:lstStyle/>
           <a:p>
             <a:endParaRPr lang="en-GB" dirty="0"/>
           </a:p>
           <a:p>
             <a:endParaRPr lang="en-GB" dirty="0"/>
+          </a:p>
+        </p:txBody>
+      </p:sp>
+      <p:sp>
+        <p:nvSpPr>
+          <p:cNvPr id="4" name="TextBox 3"/>
+          <p:cNvSpPr txBox="1"/>
+          <p:nvPr/>
+        </p:nvSpPr>
+        <p:spPr>
+          <a:xfrm>
+            <a:off x="1633268" y="267419"/>
+            <a:ext cx="10705381" cy="769441"/>
+          </a:xfrm>
+          <a:prstGeom prst="rect">
+            <a:avLst/>
+          </a:prstGeom>
+          <a:noFill/>
+        </p:spPr>
+        <p:txBody>
+          <a:bodyPr wrap="square" rtlCol="0">
+            <a:spAutoFit/>
+          </a:bodyPr>
+          <a:lstStyle/>
+          <a:p>
+            <a:r>
+              <a:rPr lang="en-GB" sz="4400" b="1" dirty="0" smtClean="0">
+                <a:latin typeface="+mj-lt"/>
+              </a:rPr>
+              <a:t>How Findings Apply to Working Practice</a:t>
+            </a:r>
+            <a:endParaRPr lang="en-GB" sz="4400" b="1" dirty="0">
+              <a:latin typeface="+mj-lt"/>
+            </a:endParaRPr>
+          </a:p>
+        </p:txBody>
+      </p:sp>
+      <p:sp>
+        <p:nvSpPr>
+          <p:cNvPr id="6" name="TextBox 5"/>
+          <p:cNvSpPr txBox="1"/>
+          <p:nvPr/>
+        </p:nvSpPr>
+        <p:spPr>
+          <a:xfrm>
+            <a:off x="1181819" y="1647645"/>
+            <a:ext cx="9980762" cy="6186309"/>
+          </a:xfrm>
+          <a:prstGeom prst="rect">
+            <a:avLst/>
+          </a:prstGeom>
+          <a:noFill/>
+        </p:spPr>
+        <p:txBody>
+          <a:bodyPr wrap="square" rtlCol="0">
+            <a:spAutoFit/>
+          </a:bodyPr>
+          <a:lstStyle/>
+          <a:p>
+            <a:pPr algn="ctr"/>
+            <a:r>
+              <a:rPr lang="en-GB" sz="3600" b="1" dirty="0" smtClean="0"/>
+              <a:t>Be more mindful of how User Stories are distributed amongst team members</a:t>
+            </a:r>
+          </a:p>
+          <a:p>
+            <a:pPr algn="ctr"/>
+            <a:r>
+              <a:rPr lang="en-GB" sz="3600" b="1" dirty="0" smtClean="0"/>
+              <a:t>Look more carefully at how I construct User stories in projects I take part in.</a:t>
+            </a:r>
+          </a:p>
+          <a:p>
+            <a:pPr algn="ctr"/>
+            <a:r>
+              <a:rPr lang="en-GB" sz="3600" b="1" dirty="0" smtClean="0"/>
+              <a:t>Employ existing US Construction methods that I find to be effective</a:t>
+            </a:r>
+          </a:p>
+          <a:p>
+            <a:pPr algn="ctr"/>
+            <a:endParaRPr lang="en-GB" sz="3600" b="1" dirty="0" smtClean="0"/>
+          </a:p>
+          <a:p>
+            <a:pPr algn="ctr"/>
+            <a:endParaRPr lang="en-GB" sz="3600" b="1" dirty="0" smtClean="0"/>
+          </a:p>
+          <a:p>
+            <a:pPr algn="ctr"/>
+            <a:endParaRPr lang="en-GB" sz="3600" b="1" dirty="0" smtClean="0"/>
+          </a:p>
+          <a:p>
+            <a:pPr algn="ctr"/>
+            <a:endParaRPr lang="en-GB" sz="3600" b="1" dirty="0" smtClean="0"/>
+          </a:p>
+          <a:p>
+            <a:pPr algn="ctr"/>
+            <a:endParaRPr lang="en-GB" sz="3600" b="1" dirty="0"/>
           </a:p>
         </p:txBody>
       </p:sp>
     </p:spTree>
     <p:extLst>
       <p:ext uri="{BB962C8B-B14F-4D97-AF65-F5344CB8AC3E}">
-        <p14:creationId xmlns:p14="http://schemas.microsoft.com/office/powerpoint/2010/main" val="3606958153"/>
-      </p:ext>
-    </p:extLst>
-  </p:cSld>
-  <p:clrMapOvr>
-    <a:masterClrMapping/>
-  </p:clrMapOvr>
-</p:sld>
-</file>
-
-<file path=ppt/slides/slide4.xml><?xml version="1.0" encoding="utf-8"?>
-<p:sld xmlns:a="http://schemas.openxmlformats.org/drawingml/2006/main" xmlns:r="http://schemas.openxmlformats.org/officeDocument/2006/relationships" xmlns:p="http://schemas.openxmlformats.org/presentationml/2006/main">
-  <p:cSld>
-    <p:spTree>
-      <p:nvGrpSpPr>
-        <p:cNvPr id="1" name=""/>
-        <p:cNvGrpSpPr/>
-        <p:nvPr/>
-      </p:nvGrpSpPr>
-      <p:grpSpPr>
-        <a:xfrm>
-          <a:off x="0" y="0"/>
-          <a:ext cx="0" cy="0"/>
-          <a:chOff x="0" y="0"/>
-          <a:chExt cx="0" cy="0"/>
-        </a:xfrm>
-      </p:grpSpPr>
-      <p:sp>
-        <p:nvSpPr>
-          <p:cNvPr id="2" name="Title 1"/>
-          <p:cNvSpPr>
-            <a:spLocks noGrp="1"/>
-          </p:cNvSpPr>
-          <p:nvPr>
-            <p:ph type="title"/>
-          </p:nvPr>
-        </p:nvSpPr>
-        <p:spPr/>
-        <p:txBody>
-          <a:bodyPr/>
-          <a:lstStyle/>
-          <a:p>
-            <a:r>
-              <a:rPr lang="en-GB" dirty="0"/>
-              <a:t>Other sources </a:t>
-            </a:r>
-          </a:p>
-        </p:txBody>
-      </p:sp>
-      <p:sp>
-        <p:nvSpPr>
-          <p:cNvPr id="3" name="Content Placeholder 2"/>
-          <p:cNvSpPr>
-            <a:spLocks noGrp="1"/>
-          </p:cNvSpPr>
-          <p:nvPr>
-            <p:ph idx="1"/>
-          </p:nvPr>
-        </p:nvSpPr>
-        <p:spPr/>
-        <p:txBody>
-          <a:bodyPr/>
-          <a:lstStyle/>
-          <a:p>
-            <a:r>
-              <a:rPr lang="en-GB" u="sng" dirty="0">
-                <a:hlinkClick r:id="rId2"/>
-              </a:rPr>
-              <a:t>http://www.tandfonline.com/doi/abs/10.1201/1078.10580530/46108.23.3.20060601/93703.2?journalCode=uism20</a:t>
-            </a:r>
-            <a:endParaRPr lang="en-GB" dirty="0"/>
-          </a:p>
-          <a:p>
-            <a:r>
-              <a:rPr lang="en-GB" u="sng" dirty="0">
-                <a:hlinkClick r:id="rId3"/>
-              </a:rPr>
-              <a:t>https://arxiv.org/abs/1409.6610</a:t>
-            </a:r>
-            <a:endParaRPr lang="en-GB" dirty="0"/>
-          </a:p>
-          <a:p>
-            <a:r>
-              <a:rPr lang="en-GB" u="sng" dirty="0">
-                <a:hlinkClick r:id="rId4"/>
-              </a:rPr>
-              <a:t>http://kremer.cpsc.ucalgary.ca/courses/seng403/W2013/papers/05GameDevelopment.pdf</a:t>
-            </a:r>
-            <a:endParaRPr lang="en-GB" dirty="0"/>
-          </a:p>
-          <a:p>
-            <a:endParaRPr lang="en-GB" dirty="0"/>
-          </a:p>
-        </p:txBody>
-      </p:sp>
-    </p:spTree>
-    <p:extLst>
-      <p:ext uri="{BB962C8B-B14F-4D97-AF65-F5344CB8AC3E}">
-        <p14:creationId xmlns:p14="http://schemas.microsoft.com/office/powerpoint/2010/main" val="1248082348"/>
+        <p14:creationId xmlns:p14="http://schemas.microsoft.com/office/powerpoint/2010/main" xmlns="" val="3606958153"/>
       </p:ext>
     </p:extLst>
   </p:cSld>
@@ -3399,7 +3457,7 @@
     </a:clrScheme>
     <a:fontScheme name="Office">
       <a:majorFont>
-        <a:latin typeface="Calibri Light" panose="020F0302020204030204"/>
+        <a:latin typeface="Calibri Light"/>
         <a:ea typeface=""/>
         <a:cs typeface=""/>
         <a:font script="Jpan" typeface="游ゴシック Light"/>
@@ -3451,7 +3509,7 @@
         <a:font script="Tfng" typeface="Ebrima"/>
       </a:majorFont>
       <a:minorFont>
-        <a:latin typeface="Calibri" panose="020F0502020204030204"/>
+        <a:latin typeface="Calibri"/>
         <a:ea typeface=""/>
         <a:cs typeface=""/>
         <a:font script="Jpan" typeface="游ゴシック"/>
@@ -3645,7 +3703,7 @@
   <a:extraClrSchemeLst/>
   <a:extLst>
     <a:ext uri="{05A4C25C-085E-4340-85A3-A5531E510DB2}">
-      <thm15:themeFamily xmlns:thm15="http://schemas.microsoft.com/office/thememl/2012/main" name="Office Theme" id="{62F939B6-93AF-4DB8-9C6B-D6C7DFDC589F}" vid="{4A3C46E8-61CC-4603-A589-7422A47A8E4A}"/>
+      <thm15:themeFamily xmlns:thm15="http://schemas.microsoft.com/office/thememl/2012/main" xmlns="" name="Office Theme" id="{62F939B6-93AF-4DB8-9C6B-D6C7DFDC589F}" vid="{4A3C46E8-61CC-4603-A589-7422A47A8E4A}"/>
     </a:ext>
   </a:extLst>
 </a:theme>
